--- a/7-primary-foreign-keys/7-primary-foreign-keys.pptx
+++ b/7-primary-foreign-keys/7-primary-foreign-keys.pptx
@@ -3793,14 +3793,11 @@
           <a:lstStyle/>
           <a:p>
             <a:pPr algn="ctr"/>
-            <a:r>
-              <a:rPr lang="en-US" dirty="0">
-                <a:solidFill>
-                  <a:schemeClr val="tx1"/>
-                </a:solidFill>
-              </a:rPr>
-              <a:t>Root</a:t>
-            </a:r>
+            <a:endParaRPr lang="en-US" dirty="0">
+              <a:solidFill>
+                <a:schemeClr val="tx1"/>
+              </a:solidFill>
+            </a:endParaRPr>
           </a:p>
           <a:p>
             <a:pPr algn="ctr"/>
@@ -3858,14 +3855,11 @@
           <a:lstStyle/>
           <a:p>
             <a:pPr algn="ctr"/>
-            <a:r>
-              <a:rPr lang="en-US" dirty="0">
-                <a:solidFill>
-                  <a:schemeClr val="tx1"/>
-                </a:solidFill>
-              </a:rPr>
-              <a:t>Root</a:t>
-            </a:r>
+            <a:endParaRPr lang="en-US" dirty="0">
+              <a:solidFill>
+                <a:schemeClr val="tx1"/>
+              </a:solidFill>
+            </a:endParaRPr>
           </a:p>
           <a:p>
             <a:pPr algn="ctr"/>
@@ -3965,14 +3959,11 @@
           <a:lstStyle/>
           <a:p>
             <a:pPr algn="ctr"/>
-            <a:r>
-              <a:rPr lang="en-US" dirty="0">
-                <a:solidFill>
-                  <a:schemeClr val="tx1"/>
-                </a:solidFill>
-              </a:rPr>
-              <a:t>Root</a:t>
-            </a:r>
+            <a:endParaRPr lang="en-US" dirty="0">
+              <a:solidFill>
+                <a:schemeClr val="tx1"/>
+              </a:solidFill>
+            </a:endParaRPr>
           </a:p>
           <a:p>
             <a:pPr algn="ctr"/>
@@ -4074,14 +4065,11 @@
           <a:lstStyle/>
           <a:p>
             <a:pPr algn="ctr"/>
-            <a:r>
-              <a:rPr lang="en-US" dirty="0">
-                <a:solidFill>
-                  <a:schemeClr val="tx1"/>
-                </a:solidFill>
-              </a:rPr>
-              <a:t>Root</a:t>
-            </a:r>
+            <a:endParaRPr lang="en-US" dirty="0">
+              <a:solidFill>
+                <a:schemeClr val="tx1"/>
+              </a:solidFill>
+            </a:endParaRPr>
           </a:p>
           <a:p>
             <a:pPr algn="ctr"/>
@@ -4181,24 +4169,21 @@
           <a:lstStyle/>
           <a:p>
             <a:pPr algn="ctr"/>
+            <a:endParaRPr lang="en-US" dirty="0">
+              <a:solidFill>
+                <a:schemeClr val="tx1"/>
+              </a:solidFill>
+            </a:endParaRPr>
+          </a:p>
+          <a:p>
+            <a:pPr algn="ctr"/>
             <a:r>
               <a:rPr lang="en-US" dirty="0">
                 <a:solidFill>
                   <a:schemeClr val="tx1"/>
                 </a:solidFill>
               </a:rPr>
-              <a:t>Root</a:t>
-            </a:r>
-          </a:p>
-          <a:p>
-            <a:pPr algn="ctr"/>
-            <a:r>
-              <a:rPr lang="en-US" dirty="0">
-                <a:solidFill>
-                  <a:schemeClr val="tx1"/>
-                </a:solidFill>
-              </a:rPr>
-              <a:t>(20)</a:t>
+              <a:t>(120)</a:t>
             </a:r>
           </a:p>
         </p:txBody>
@@ -4290,24 +4275,21 @@
           <a:lstStyle/>
           <a:p>
             <a:pPr algn="ctr"/>
+            <a:endParaRPr lang="en-US" dirty="0">
+              <a:solidFill>
+                <a:schemeClr val="tx1"/>
+              </a:solidFill>
+            </a:endParaRPr>
+          </a:p>
+          <a:p>
+            <a:pPr algn="ctr"/>
             <a:r>
               <a:rPr lang="en-US" dirty="0">
                 <a:solidFill>
                   <a:schemeClr val="tx1"/>
                 </a:solidFill>
               </a:rPr>
-              <a:t>Root</a:t>
-            </a:r>
-          </a:p>
-          <a:p>
-            <a:pPr algn="ctr"/>
-            <a:r>
-              <a:rPr lang="en-US" dirty="0">
-                <a:solidFill>
-                  <a:schemeClr val="tx1"/>
-                </a:solidFill>
-              </a:rPr>
-              <a:t>(60)</a:t>
+              <a:t>(160)</a:t>
             </a:r>
           </a:p>
         </p:txBody>
@@ -4397,14 +4379,11 @@
           <a:lstStyle/>
           <a:p>
             <a:pPr algn="ctr"/>
-            <a:r>
-              <a:rPr lang="en-US" dirty="0">
-                <a:solidFill>
-                  <a:schemeClr val="tx1"/>
-                </a:solidFill>
-              </a:rPr>
-              <a:t>Root</a:t>
-            </a:r>
+            <a:endParaRPr lang="en-US" dirty="0">
+              <a:solidFill>
+                <a:schemeClr val="tx1"/>
+              </a:solidFill>
+            </a:endParaRPr>
           </a:p>
           <a:p>
             <a:pPr algn="ctr"/>
@@ -4506,14 +4485,11 @@
           <a:lstStyle/>
           <a:p>
             <a:pPr algn="ctr"/>
-            <a:r>
-              <a:rPr lang="en-US" dirty="0">
-                <a:solidFill>
-                  <a:schemeClr val="tx1"/>
-                </a:solidFill>
-              </a:rPr>
-              <a:t>Root</a:t>
-            </a:r>
+            <a:endParaRPr lang="en-US" dirty="0">
+              <a:solidFill>
+                <a:schemeClr val="tx1"/>
+              </a:solidFill>
+            </a:endParaRPr>
           </a:p>
           <a:p>
             <a:pPr algn="ctr"/>
